--- a/Student Management System.pptx
+++ b/Student Management System.pptx
@@ -3325,7 +3325,7 @@
           <a:p>
             <a:r>
               <a:rPr lang="en-US" dirty="0"/>
-              <a:t>Instructor: Dr. </a:t>
+              <a:t>Instructor: Dr.  </a:t>
             </a:r>
             <a:r>
               <a:rPr lang="en-US" dirty="0" err="1"/>
@@ -4670,8 +4670,8 @@
         </p:blipFill>
         <p:spPr>
           <a:xfrm>
-            <a:off x="1467917" y="2687961"/>
-            <a:ext cx="9256166" cy="3736213"/>
+            <a:off x="411474" y="2834671"/>
+            <a:ext cx="6508764" cy="3736213"/>
           </a:xfrm>
           <a:prstGeom prst="rect">
             <a:avLst/>
@@ -4714,6 +4714,59 @@
           </a:p>
           <a:p>
             <a:endParaRPr lang="en-US" dirty="0"/>
+          </a:p>
+        </p:txBody>
+      </p:sp>
+      <p:sp>
+        <p:nvSpPr>
+          <p:cNvPr id="3" name="TextBox 2">
+            <a:extLst>
+              <a:ext uri="{FF2B5EF4-FFF2-40B4-BE49-F238E27FC236}">
+                <a16:creationId xmlns:a16="http://schemas.microsoft.com/office/drawing/2014/main" id="{295B5859-9630-6F8E-149B-D9419CE586D4}"/>
+              </a:ext>
+            </a:extLst>
+          </p:cNvPr>
+          <p:cNvSpPr txBox="1"/>
+          <p:nvPr/>
+        </p:nvSpPr>
+        <p:spPr>
+          <a:xfrm>
+            <a:off x="7701473" y="3429000"/>
+            <a:ext cx="3608678" cy="2031325"/>
+          </a:xfrm>
+          <a:prstGeom prst="rect">
+            <a:avLst/>
+          </a:prstGeom>
+          <a:noFill/>
+        </p:spPr>
+        <p:txBody>
+          <a:bodyPr wrap="square" rtlCol="0">
+            <a:spAutoFit/>
+          </a:bodyPr>
+          <a:lstStyle/>
+          <a:p>
+            <a:r>
+              <a:rPr lang="en-US" dirty="0"/>
+              <a:t>Ricardo Reyes: Almost if not all contributions</a:t>
+            </a:r>
+          </a:p>
+          <a:p>
+            <a:endParaRPr lang="en-US" dirty="0"/>
+          </a:p>
+          <a:p>
+            <a:r>
+              <a:rPr lang="en-US" dirty="0"/>
+              <a:t>Jarrett Barden: Passed a commit to GitHub</a:t>
+            </a:r>
+          </a:p>
+          <a:p>
+            <a:endParaRPr lang="en-US" dirty="0"/>
+          </a:p>
+          <a:p>
+            <a:r>
+              <a:rPr lang="en-US" dirty="0"/>
+              <a:t>Julian Rodriguez: No contributions</a:t>
+            </a:r>
           </a:p>
         </p:txBody>
       </p:sp>
